--- a/IoT Simulators.pptx
+++ b/IoT Simulators.pptx
@@ -131,6 +131,7 @@
 <file path=ppt/revisionInfo.xml><?xml version="1.0" encoding="utf-8"?>
 <p1510:revInfo xmlns:a="http://schemas.openxmlformats.org/drawingml/2006/main" xmlns:r="http://schemas.openxmlformats.org/officeDocument/2006/relationships" xmlns:p1510="http://schemas.microsoft.com/office/powerpoint/2015/10/main">
   <p1510:revLst>
+    <p1510:client id="{045EC466-DD12-B7D2-D940-E9269968E5D6}" v="9" dt="2021-07-12T05:45:16.642"/>
     <p1510:client id="{4A82753E-F24D-4504-BED3-FA799AEFFD2A}" v="4" dt="2021-07-02T15:04:22.412"/>
     <p1510:client id="{64E51566-EE75-41F1-854D-67F6E5A1AEF7}" v="1483" dt="2021-07-06T10:10:09.680"/>
     <p1510:client id="{76DA3036-799B-475E-825C-9CCAE67FB9BB}" v="2032" dt="2021-07-10T09:43:01.708"/>
@@ -138,6 +139,67 @@
     <p1510:client id="{BA68B087-3572-4D59-84E5-4D55733ADF66}" v="405" dt="2021-07-11T06:38:19.104"/>
   </p1510:revLst>
 </p1510:revInfo>
+</file>
+
+<file path=ppt/changesInfos/changesInfo1.xml><?xml version="1.0" encoding="utf-8"?>
+<pc:chgInfo xmlns:a="http://schemas.openxmlformats.org/drawingml/2006/main" xmlns:r="http://schemas.openxmlformats.org/officeDocument/2006/relationships" xmlns:ac="http://schemas.microsoft.com/office/drawing/2013/main/command" xmlns:pc="http://schemas.microsoft.com/office/powerpoint/2013/main/command">
+  <pc:docChgLst>
+    <pc:chgData name="Suman Raj" userId="S::sumanraj@iisc.ac.in::afec2e0e-e097-4995-a01b-9de849233f59" providerId="AD" clId="Web-{045EC466-DD12-B7D2-D940-E9269968E5D6}"/>
+    <pc:docChg chg="modSld">
+      <pc:chgData name="Suman Raj" userId="S::sumanraj@iisc.ac.in::afec2e0e-e097-4995-a01b-9de849233f59" providerId="AD" clId="Web-{045EC466-DD12-B7D2-D940-E9269968E5D6}" dt="2021-07-12T05:45:16.642" v="7" actId="1076"/>
+      <pc:docMkLst>
+        <pc:docMk/>
+      </pc:docMkLst>
+      <pc:sldChg chg="modSp">
+        <pc:chgData name="Suman Raj" userId="S::sumanraj@iisc.ac.in::afec2e0e-e097-4995-a01b-9de849233f59" providerId="AD" clId="Web-{045EC466-DD12-B7D2-D940-E9269968E5D6}" dt="2021-07-12T05:45:16.642" v="7" actId="1076"/>
+        <pc:sldMkLst>
+          <pc:docMk/>
+          <pc:sldMk cId="1956852301" sldId="275"/>
+        </pc:sldMkLst>
+        <pc:spChg chg="mod">
+          <ac:chgData name="Suman Raj" userId="S::sumanraj@iisc.ac.in::afec2e0e-e097-4995-a01b-9de849233f59" providerId="AD" clId="Web-{045EC466-DD12-B7D2-D940-E9269968E5D6}" dt="2021-07-12T05:45:16.642" v="7" actId="1076"/>
+          <ac:spMkLst>
+            <pc:docMk/>
+            <pc:sldMk cId="1956852301" sldId="275"/>
+            <ac:spMk id="10" creationId="{A37016DB-3CBB-46A7-B92B-67FC86D6E635}"/>
+          </ac:spMkLst>
+        </pc:spChg>
+        <pc:spChg chg="mod">
+          <ac:chgData name="Suman Raj" userId="S::sumanraj@iisc.ac.in::afec2e0e-e097-4995-a01b-9de849233f59" providerId="AD" clId="Web-{045EC466-DD12-B7D2-D940-E9269968E5D6}" dt="2021-07-12T05:44:59.125" v="3" actId="14100"/>
+          <ac:spMkLst>
+            <pc:docMk/>
+            <pc:sldMk cId="1956852301" sldId="275"/>
+            <ac:spMk id="13" creationId="{0E23648C-59EE-41D0-82BB-06F016DE77B2}"/>
+          </ac:spMkLst>
+        </pc:spChg>
+        <pc:spChg chg="mod">
+          <ac:chgData name="Suman Raj" userId="S::sumanraj@iisc.ac.in::afec2e0e-e097-4995-a01b-9de849233f59" providerId="AD" clId="Web-{045EC466-DD12-B7D2-D940-E9269968E5D6}" dt="2021-07-12T05:45:04.126" v="4" actId="1076"/>
+          <ac:spMkLst>
+            <pc:docMk/>
+            <pc:sldMk cId="1956852301" sldId="275"/>
+            <ac:spMk id="23" creationId="{59147C38-BF18-4B4F-A397-B3494D0B1369}"/>
+          </ac:spMkLst>
+        </pc:spChg>
+        <pc:spChg chg="mod">
+          <ac:chgData name="Suman Raj" userId="S::sumanraj@iisc.ac.in::afec2e0e-e097-4995-a01b-9de849233f59" providerId="AD" clId="Web-{045EC466-DD12-B7D2-D940-E9269968E5D6}" dt="2021-07-12T05:45:06.829" v="5" actId="1076"/>
+          <ac:spMkLst>
+            <pc:docMk/>
+            <pc:sldMk cId="1956852301" sldId="275"/>
+            <ac:spMk id="24" creationId="{756A5FBD-144D-487A-B89B-4F6608D1DB8E}"/>
+          </ac:spMkLst>
+        </pc:spChg>
+        <pc:spChg chg="mod">
+          <ac:chgData name="Suman Raj" userId="S::sumanraj@iisc.ac.in::afec2e0e-e097-4995-a01b-9de849233f59" providerId="AD" clId="Web-{045EC466-DD12-B7D2-D940-E9269968E5D6}" dt="2021-07-12T05:45:12.345" v="6" actId="14100"/>
+          <ac:spMkLst>
+            <pc:docMk/>
+            <pc:sldMk cId="1956852301" sldId="275"/>
+            <ac:spMk id="25" creationId="{E619BADA-46C5-439C-B007-A0D1C1DE1534}"/>
+          </ac:spMkLst>
+        </pc:spChg>
+      </pc:sldChg>
+    </pc:docChg>
+  </pc:docChgLst>
+</pc:chgInfo>
 </file>
 
 <file path=ppt/diagrams/colors1.xml><?xml version="1.0" encoding="utf-8"?>
@@ -11669,8 +11731,8 @@
         </p:nvSpPr>
         <p:spPr>
           <a:xfrm>
-            <a:off x="4618494" y="2080646"/>
-            <a:ext cx="2260169" cy="697423"/>
+            <a:off x="9503564" y="4266227"/>
+            <a:ext cx="1480449" cy="697423"/>
           </a:xfrm>
           <a:prstGeom prst="roundRect">
             <a:avLst/>
@@ -11708,13 +11770,13 @@
           <a:p>
             <a:pPr algn="ctr"/>
             <a:r>
-              <a:rPr lang="en-GB">
+              <a:rPr lang="en-GB" dirty="0">
                 <a:solidFill>
                   <a:schemeClr val="tx1"/>
                 </a:solidFill>
                 <a:cs typeface="Calibri"/>
               </a:rPr>
-              <a:t>World with Obstacles (URDF) </a:t>
+              <a:t>World with Obstacles </a:t>
             </a:r>
           </a:p>
         </p:txBody>
@@ -11797,8 +11859,8 @@
         </p:nvSpPr>
         <p:spPr>
           <a:xfrm>
-            <a:off x="9293815" y="2016069"/>
-            <a:ext cx="1898542" cy="697423"/>
+            <a:off x="9287909" y="2004256"/>
+            <a:ext cx="1508681" cy="697423"/>
           </a:xfrm>
           <a:prstGeom prst="roundRect">
             <a:avLst/>
@@ -12197,7 +12259,7 @@
         </p:nvSpPr>
         <p:spPr>
           <a:xfrm>
-            <a:off x="9621541" y="4707287"/>
+            <a:off x="9680611" y="5256636"/>
             <a:ext cx="1511084" cy="1136542"/>
           </a:xfrm>
           <a:prstGeom prst="roundRect">
@@ -12244,7 +12306,7 @@
         </p:nvSpPr>
         <p:spPr>
           <a:xfrm>
-            <a:off x="9624931" y="4949609"/>
+            <a:off x="9737164" y="5339469"/>
             <a:ext cx="1400013" cy="923330"/>
           </a:xfrm>
           <a:prstGeom prst="rect">
@@ -12284,8 +12346,8 @@
         </p:nvSpPr>
         <p:spPr>
           <a:xfrm>
-            <a:off x="9119460" y="1867545"/>
-            <a:ext cx="2505558" cy="2479728"/>
+            <a:off x="9119460" y="1873451"/>
+            <a:ext cx="2505558" cy="3200380"/>
           </a:xfrm>
           <a:prstGeom prst="rect">
             <a:avLst/>
@@ -16255,6 +16317,15 @@
 </file>
 
 <file path=customXml/item1.xml><?xml version="1.0" encoding="utf-8"?>
+<?mso-contentType ?>
+<FormTemplates xmlns="http://schemas.microsoft.com/sharepoint/v3/contenttype/forms">
+  <Display>DocumentLibraryForm</Display>
+  <Edit>DocumentLibraryForm</Edit>
+  <New>DocumentLibraryForm</New>
+</FormTemplates>
+</file>
+
+<file path=customXml/item2.xml><?xml version="1.0" encoding="utf-8"?>
 <ct:contentTypeSchema xmlns:ct="http://schemas.microsoft.com/office/2006/metadata/contentType" xmlns:ma="http://schemas.microsoft.com/office/2006/metadata/properties/metaAttributes" ct:_="" ma:_="" ma:contentTypeName="Document" ma:contentTypeID="0x010100C8B7E1863C484B41A7CD4CFE2FEC149E" ma:contentTypeVersion="12" ma:contentTypeDescription="Create a new document." ma:contentTypeScope="" ma:versionID="18071a84c4a63d1869bf073f57191301">
   <xsd:schema xmlns:xsd="http://www.w3.org/2001/XMLSchema" xmlns:xs="http://www.w3.org/2001/XMLSchema" xmlns:p="http://schemas.microsoft.com/office/2006/metadata/properties" xmlns:ns2="6fcd1cf4-17f7-4df6-9737-cba6ecd66da8" xmlns:ns3="0da33219-70b2-4832-9b35-7150b80db5cd" targetNamespace="http://schemas.microsoft.com/office/2006/metadata/properties" ma:root="true" ma:fieldsID="b3fe3412610b4ccc1bdf9526f886e42f" ns2:_="" ns3:_="">
     <xsd:import namespace="6fcd1cf4-17f7-4df6-9737-cba6ecd66da8"/>
@@ -16471,15 +16542,6 @@
 </ct:contentTypeSchema>
 </file>
 
-<file path=customXml/item2.xml><?xml version="1.0" encoding="utf-8"?>
-<?mso-contentType ?>
-<FormTemplates xmlns="http://schemas.microsoft.com/sharepoint/v3/contenttype/forms">
-  <Display>DocumentLibraryForm</Display>
-  <Edit>DocumentLibraryForm</Edit>
-  <New>DocumentLibraryForm</New>
-</FormTemplates>
-</file>
-
 <file path=customXml/item3.xml><?xml version="1.0" encoding="utf-8"?>
 <p:properties xmlns:p="http://schemas.microsoft.com/office/2006/metadata/properties" xmlns:xsi="http://www.w3.org/2001/XMLSchema-instance" xmlns:pc="http://schemas.microsoft.com/office/infopath/2007/PartnerControls">
   <documentManagement/>
@@ -16487,6 +16549,14 @@
 </file>
 
 <file path=customXml/itemProps1.xml><?xml version="1.0" encoding="utf-8"?>
+<ds:datastoreItem xmlns:ds="http://schemas.openxmlformats.org/officeDocument/2006/customXml" ds:itemID="{03A6BD36-826A-45A8-AC93-25F1311979E2}">
+  <ds:schemaRefs>
+    <ds:schemaRef ds:uri="http://schemas.microsoft.com/sharepoint/v3/contenttype/forms"/>
+  </ds:schemaRefs>
+</ds:datastoreItem>
+</file>
+
+<file path=customXml/itemProps2.xml><?xml version="1.0" encoding="utf-8"?>
 <ds:datastoreItem xmlns:ds="http://schemas.openxmlformats.org/officeDocument/2006/customXml" ds:itemID="{0F54EC0D-BC91-4F89-AC1E-2032DB1F5A75}">
   <ds:schemaRefs>
     <ds:schemaRef ds:uri="0da33219-70b2-4832-9b35-7150b80db5cd"/>
@@ -16505,14 +16575,6 @@
 </ds:datastoreItem>
 </file>
 
-<file path=customXml/itemProps2.xml><?xml version="1.0" encoding="utf-8"?>
-<ds:datastoreItem xmlns:ds="http://schemas.openxmlformats.org/officeDocument/2006/customXml" ds:itemID="{03A6BD36-826A-45A8-AC93-25F1311979E2}">
-  <ds:schemaRefs>
-    <ds:schemaRef ds:uri="http://schemas.microsoft.com/sharepoint/v3/contenttype/forms"/>
-  </ds:schemaRefs>
-</ds:datastoreItem>
-</file>
-
 <file path=customXml/itemProps3.xml><?xml version="1.0" encoding="utf-8"?>
 <ds:datastoreItem xmlns:ds="http://schemas.openxmlformats.org/officeDocument/2006/customXml" ds:itemID="{09ABA6E4-7EF5-4376-9B61-320E1E9B6DC7}">
   <ds:schemaRefs>
